--- a/cours docker.pptx
+++ b/cours docker.pptx
@@ -127,6 +127,11 @@
       </a:defRPr>
     </a:lvl9pPr>
   </p:defaultTextStyle>
+  <p:extLst>
+    <p:ext uri="{EFAFB233-063F-42B5-8137-9DF3F51BA10A}">
+      <p15:sldGuideLst xmlns:p15="http://schemas.microsoft.com/office/powerpoint/2012/main"/>
+    </p:ext>
+  </p:extLst>
 </p:presentation>
 </file>
 
@@ -344,7 +349,7 @@
             <a:fld id="{B61BEF0D-F0BB-DE4B-95CE-6DB70DBA9567}" type="datetimeFigureOut">
               <a:rPr lang="en-US" dirty="0"/>
               <a:pPr/>
-              <a:t>4/2/2019</a:t>
+              <a:t>10/8/2019</a:t>
             </a:fld>
             <a:endParaRPr lang="en-US" dirty="0"/>
           </a:p>
@@ -632,7 +637,7 @@
             <a:fld id="{B61BEF0D-F0BB-DE4B-95CE-6DB70DBA9567}" type="datetimeFigureOut">
               <a:rPr lang="en-US" dirty="0"/>
               <a:pPr/>
-              <a:t>4/2/2019</a:t>
+              <a:t>10/8/2019</a:t>
             </a:fld>
             <a:endParaRPr lang="en-US" dirty="0"/>
           </a:p>
@@ -888,7 +893,7 @@
             <a:fld id="{B61BEF0D-F0BB-DE4B-95CE-6DB70DBA9567}" type="datetimeFigureOut">
               <a:rPr lang="en-US" dirty="0"/>
               <a:pPr/>
-              <a:t>4/2/2019</a:t>
+              <a:t>10/8/2019</a:t>
             </a:fld>
             <a:endParaRPr lang="en-US" dirty="0"/>
           </a:p>
@@ -1354,7 +1359,7 @@
             <a:fld id="{B61BEF0D-F0BB-DE4B-95CE-6DB70DBA9567}" type="datetimeFigureOut">
               <a:rPr lang="en-US" dirty="0"/>
               <a:pPr/>
-              <a:t>4/2/2019</a:t>
+              <a:t>10/8/2019</a:t>
             </a:fld>
             <a:endParaRPr lang="en-US" dirty="0"/>
           </a:p>
@@ -1531,7 +1536,7 @@
             <a:fld id="{B61BEF0D-F0BB-DE4B-95CE-6DB70DBA9567}" type="datetimeFigureOut">
               <a:rPr lang="en-US" dirty="0"/>
               <a:pPr/>
-              <a:t>4/2/2019</a:t>
+              <a:t>10/8/2019</a:t>
             </a:fld>
             <a:endParaRPr lang="en-US" dirty="0"/>
           </a:p>
@@ -2104,7 +2109,7 @@
             <a:fld id="{B61BEF0D-F0BB-DE4B-95CE-6DB70DBA9567}" type="datetimeFigureOut">
               <a:rPr lang="en-US" dirty="0"/>
               <a:pPr/>
-              <a:t>4/2/2019</a:t>
+              <a:t>10/8/2019</a:t>
             </a:fld>
             <a:endParaRPr lang="en-US" dirty="0"/>
           </a:p>
@@ -2433,7 +2438,7 @@
             <a:fld id="{B61BEF0D-F0BB-DE4B-95CE-6DB70DBA9567}" type="datetimeFigureOut">
               <a:rPr lang="en-US" dirty="0"/>
               <a:pPr/>
-              <a:t>4/2/2019</a:t>
+              <a:t>10/8/2019</a:t>
             </a:fld>
             <a:endParaRPr lang="en-US" dirty="0"/>
           </a:p>
@@ -2605,7 +2610,7 @@
             <a:fld id="{B61BEF0D-F0BB-DE4B-95CE-6DB70DBA9567}" type="datetimeFigureOut">
               <a:rPr lang="en-US" dirty="0"/>
               <a:pPr/>
-              <a:t>4/2/2019</a:t>
+              <a:t>10/8/2019</a:t>
             </a:fld>
             <a:endParaRPr lang="en-US" dirty="0"/>
           </a:p>
@@ -2782,7 +2787,7 @@
             <a:fld id="{B61BEF0D-F0BB-DE4B-95CE-6DB70DBA9567}" type="datetimeFigureOut">
               <a:rPr lang="en-US" dirty="0"/>
               <a:pPr/>
-              <a:t>4/2/2019</a:t>
+              <a:t>10/8/2019</a:t>
             </a:fld>
             <a:endParaRPr lang="en-US" dirty="0"/>
           </a:p>
@@ -2949,7 +2954,7 @@
             <a:fld id="{B61BEF0D-F0BB-DE4B-95CE-6DB70DBA9567}" type="datetimeFigureOut">
               <a:rPr lang="en-US" dirty="0"/>
               <a:pPr/>
-              <a:t>4/2/2019</a:t>
+              <a:t>10/8/2019</a:t>
             </a:fld>
             <a:endParaRPr lang="en-US" dirty="0"/>
           </a:p>
@@ -3203,7 +3208,7 @@
             <a:fld id="{B61BEF0D-F0BB-DE4B-95CE-6DB70DBA9567}" type="datetimeFigureOut">
               <a:rPr lang="en-US" dirty="0"/>
               <a:pPr/>
-              <a:t>4/2/2019</a:t>
+              <a:t>10/8/2019</a:t>
             </a:fld>
             <a:endParaRPr lang="en-US" dirty="0"/>
           </a:p>
@@ -3492,7 +3497,7 @@
             <a:fld id="{B61BEF0D-F0BB-DE4B-95CE-6DB70DBA9567}" type="datetimeFigureOut">
               <a:rPr lang="en-US" dirty="0"/>
               <a:pPr/>
-              <a:t>4/2/2019</a:t>
+              <a:t>10/8/2019</a:t>
             </a:fld>
             <a:endParaRPr lang="en-US" dirty="0"/>
           </a:p>
@@ -3919,7 +3924,7 @@
             <a:fld id="{B61BEF0D-F0BB-DE4B-95CE-6DB70DBA9567}" type="datetimeFigureOut">
               <a:rPr lang="en-US" dirty="0"/>
               <a:pPr/>
-              <a:t>4/2/2019</a:t>
+              <a:t>10/8/2019</a:t>
             </a:fld>
             <a:endParaRPr lang="en-US" dirty="0"/>
           </a:p>
@@ -4034,7 +4039,7 @@
             <a:fld id="{B61BEF0D-F0BB-DE4B-95CE-6DB70DBA9567}" type="datetimeFigureOut">
               <a:rPr lang="en-US" dirty="0"/>
               <a:pPr/>
-              <a:t>4/2/2019</a:t>
+              <a:t>10/8/2019</a:t>
             </a:fld>
             <a:endParaRPr lang="en-US" dirty="0"/>
           </a:p>
@@ -4126,7 +4131,7 @@
             <a:fld id="{B61BEF0D-F0BB-DE4B-95CE-6DB70DBA9567}" type="datetimeFigureOut">
               <a:rPr lang="en-US" dirty="0"/>
               <a:pPr/>
-              <a:t>4/2/2019</a:t>
+              <a:t>10/8/2019</a:t>
             </a:fld>
             <a:endParaRPr lang="en-US" dirty="0"/>
           </a:p>
@@ -4406,7 +4411,7 @@
             <a:fld id="{B61BEF0D-F0BB-DE4B-95CE-6DB70DBA9567}" type="datetimeFigureOut">
               <a:rPr lang="en-US" dirty="0"/>
               <a:pPr/>
-              <a:t>4/2/2019</a:t>
+              <a:t>10/8/2019</a:t>
             </a:fld>
             <a:endParaRPr lang="en-US" dirty="0"/>
           </a:p>
@@ -4694,7 +4699,7 @@
             <a:fld id="{B61BEF0D-F0BB-DE4B-95CE-6DB70DBA9567}" type="datetimeFigureOut">
               <a:rPr lang="en-US" dirty="0"/>
               <a:pPr/>
-              <a:t>4/2/2019</a:t>
+              <a:t>10/8/2019</a:t>
             </a:fld>
             <a:endParaRPr lang="en-US" dirty="0"/>
           </a:p>
@@ -4922,7 +4927,7 @@
             <a:fld id="{B61BEF0D-F0BB-DE4B-95CE-6DB70DBA9567}" type="datetimeFigureOut">
               <a:rPr lang="en-US" dirty="0"/>
               <a:pPr/>
-              <a:t>4/2/2019</a:t>
+              <a:t>10/8/2019</a:t>
             </a:fld>
             <a:endParaRPr lang="en-US" dirty="0"/>
           </a:p>
@@ -5796,7 +5801,19 @@
           <a:p>
             <a:r>
               <a:rPr lang="fr-BE" dirty="0" smtClean="0"/>
-              <a:t>Structure de nom d’un image</a:t>
+              <a:t>Structure de nom </a:t>
+            </a:r>
+            <a:r>
+              <a:rPr lang="fr-BE" dirty="0" err="1" smtClean="0"/>
+              <a:t>d’unE</a:t>
+            </a:r>
+            <a:r>
+              <a:rPr lang="fr-BE" dirty="0" smtClean="0"/>
+              <a:t> </a:t>
+            </a:r>
+            <a:r>
+              <a:rPr lang="fr-BE" dirty="0" smtClean="0"/>
+              <a:t>image</a:t>
             </a:r>
             <a:endParaRPr lang="lb-LU" dirty="0"/>
           </a:p>
@@ -6323,11 +6340,15 @@
             <a:pPr lvl="1"/>
             <a:r>
               <a:rPr lang="fr-BE" dirty="0" err="1" smtClean="0"/>
-              <a:t>Volums</a:t>
-            </a:r>
-            <a:r>
-              <a:rPr lang="fr-BE" dirty="0" smtClean="0"/>
-              <a:t> locaux vs volumes réseau (NFS, </a:t>
+              <a:t>VolumEs</a:t>
+            </a:r>
+            <a:r>
+              <a:rPr lang="fr-BE" dirty="0" smtClean="0"/>
+              <a:t> </a:t>
+            </a:r>
+            <a:r>
+              <a:rPr lang="fr-BE" dirty="0" smtClean="0"/>
+              <a:t>locaux vs volumes réseau (NFS, </a:t>
             </a:r>
             <a:r>
               <a:rPr lang="fr-BE" dirty="0" err="1" smtClean="0"/>
@@ -7814,7 +7835,48 @@
           <a:bodyPr/>
           <a:lstStyle/>
           <a:p>
-            <a:endParaRPr lang="lb-LU"/>
+            <a:r>
+              <a:rPr lang="fr-BE" dirty="0" smtClean="0"/>
+              <a:t>Orchestration Basique et avancée</a:t>
+            </a:r>
+          </a:p>
+          <a:p>
+            <a:r>
+              <a:rPr lang="fr-BE" dirty="0" err="1" smtClean="0"/>
+              <a:t>Devops</a:t>
+            </a:r>
+            <a:r>
+              <a:rPr lang="fr-BE" dirty="0" smtClean="0"/>
+              <a:t> / </a:t>
+            </a:r>
+            <a:r>
+              <a:rPr lang="fr-BE" dirty="0" err="1" smtClean="0"/>
+              <a:t>Provisioning</a:t>
+            </a:r>
+            <a:r>
+              <a:rPr lang="fr-BE" dirty="0" smtClean="0"/>
+              <a:t> d’infra serveurs déclarative</a:t>
+            </a:r>
+          </a:p>
+          <a:p>
+            <a:r>
+              <a:rPr lang="fr-BE" dirty="0" smtClean="0"/>
+              <a:t>Votre </a:t>
+            </a:r>
+            <a:r>
+              <a:rPr lang="fr-BE" dirty="0" err="1" smtClean="0"/>
+              <a:t>Lab</a:t>
+            </a:r>
+            <a:endParaRPr lang="fr-BE" dirty="0"/>
+          </a:p>
+          <a:p>
+            <a:r>
+              <a:rPr lang="fr-BE" dirty="0" smtClean="0"/>
+              <a:t>Machine Learning</a:t>
+            </a:r>
+          </a:p>
+          <a:p>
+            <a:endParaRPr lang="lb-LU" dirty="0"/>
           </a:p>
         </p:txBody>
       </p:sp>
